--- a/files/teaching-resources/monmouthcollege-econ-300/econ-300-lecture-note/ECON300-LEC13.pptx
+++ b/files/teaching-resources/monmouthcollege-econ-300/econ-300-lecture-note/ECON300-LEC13.pptx
@@ -234,7 +234,7 @@
           <a:p>
             <a:fld id="{0E0A6441-4E79-42FF-805B-86C90BDFD38D}" type="datetimeFigureOut">
               <a:rPr lang="en-US" smtClean="0"/>
-              <a:t>9/3/2024</a:t>
+              <a:t>11/3/2024</a:t>
             </a:fld>
             <a:endParaRPr lang="en-US" dirty="0"/>
           </a:p>
@@ -9857,7 +9857,13 @@
                       <a:rPr lang="en-US" b="0" i="1" dirty="0" smtClean="0">
                         <a:latin typeface="Cambria Math" panose="02040503050406030204" pitchFamily="18" charset="0"/>
                       </a:rPr>
-                      <m:t>=0</m:t>
+                      <m:t>=</m:t>
+                    </m:r>
+                    <m:r>
+                      <a:rPr lang="en-US" b="0" i="1" dirty="0" smtClean="0">
+                        <a:latin typeface="Cambria Math" panose="02040503050406030204" pitchFamily="18" charset="0"/>
+                      </a:rPr>
+                      <m:t>0</m:t>
                     </m:r>
                   </m:oMath>
                 </a14:m>
@@ -10326,85 +10332,156 @@
           </a:p>
         </p:txBody>
       </p:sp>
-      <p:sp>
-        <p:nvSpPr>
-          <p:cNvPr id="3" name="Content Placeholder 2">
-            <a:extLst>
-              <a:ext uri="{FF2B5EF4-FFF2-40B4-BE49-F238E27FC236}">
-                <a16:creationId xmlns:a16="http://schemas.microsoft.com/office/drawing/2014/main" id="{5A717BAA-D4BA-C7EB-5696-203603829C7C}"/>
-              </a:ext>
-            </a:extLst>
-          </p:cNvPr>
-          <p:cNvSpPr>
-            <a:spLocks noGrp="1"/>
-          </p:cNvSpPr>
-          <p:nvPr>
-            <p:ph idx="1"/>
-          </p:nvPr>
-        </p:nvSpPr>
-        <p:spPr/>
-        <p:txBody>
-          <a:bodyPr>
-            <a:normAutofit/>
-          </a:bodyPr>
-          <a:lstStyle/>
-          <a:p>
-            <a:r>
-              <a:rPr lang="en-US" dirty="0"/>
-              <a:t>In the long run, both inputs L and K are variable factors.</a:t>
-            </a:r>
-          </a:p>
-          <a:p>
-            <a:pPr lvl="3"/>
-            <a:endParaRPr lang="en-US" dirty="0"/>
-          </a:p>
-          <a:p>
-            <a:r>
-              <a:rPr lang="en-US" dirty="0"/>
-              <a:t>When both inputs are variable, the producer is faced with a choice: which combination of inputs should they use? </a:t>
-            </a:r>
-          </a:p>
-          <a:p>
-            <a:pPr lvl="3"/>
-            <a:endParaRPr lang="en-US" dirty="0"/>
-          </a:p>
-          <a:p>
-            <a:r>
-              <a:rPr lang="en-US" dirty="0"/>
-              <a:t>The answer will depend on a few elements:</a:t>
-            </a:r>
-          </a:p>
-          <a:p>
-            <a:pPr lvl="1"/>
-            <a:r>
-              <a:rPr lang="en-US" dirty="0"/>
-              <a:t>The Production Technology</a:t>
-            </a:r>
-          </a:p>
-          <a:p>
-            <a:pPr lvl="1"/>
-            <a:r>
-              <a:rPr lang="en-US" dirty="0"/>
-              <a:t>The Target Level of Output</a:t>
-            </a:r>
-          </a:p>
-          <a:p>
-            <a:pPr marL="1371600" lvl="3" indent="0">
-              <a:buNone/>
-            </a:pPr>
-            <a:endParaRPr lang="en-US" dirty="0"/>
-          </a:p>
-          <a:p>
-            <a:r>
-              <a:rPr lang="en-US" dirty="0"/>
-              <a:t>Given some target level of output, which combinations of inputs will allow us to reach the target?</a:t>
-            </a:r>
-          </a:p>
-          <a:p>
-            <a:endParaRPr lang="en-US" dirty="0"/>
-          </a:p>
-        </p:txBody>
-      </p:sp>
+      <mc:AlternateContent xmlns:mc="http://schemas.openxmlformats.org/markup-compatibility/2006" xmlns:a14="http://schemas.microsoft.com/office/drawing/2010/main">
+        <mc:Choice Requires="a14">
+          <p:sp>
+            <p:nvSpPr>
+              <p:cNvPr id="3" name="Content Placeholder 2">
+                <a:extLst>
+                  <a:ext uri="{FF2B5EF4-FFF2-40B4-BE49-F238E27FC236}">
+                    <a16:creationId xmlns:a16="http://schemas.microsoft.com/office/drawing/2014/main" id="{5A717BAA-D4BA-C7EB-5696-203603829C7C}"/>
+                  </a:ext>
+                </a:extLst>
+              </p:cNvPr>
+              <p:cNvSpPr>
+                <a:spLocks noGrp="1"/>
+              </p:cNvSpPr>
+              <p:nvPr>
+                <p:ph idx="1"/>
+              </p:nvPr>
+            </p:nvSpPr>
+            <p:spPr/>
+            <p:txBody>
+              <a:bodyPr>
+                <a:normAutofit/>
+              </a:bodyPr>
+              <a:lstStyle/>
+              <a:p>
+                <a:r>
+                  <a:rPr lang="en-US" dirty="0"/>
+                  <a:t>In the long run, both inputs </a:t>
+                </a:r>
+                <a14:m>
+                  <m:oMath xmlns:m="http://schemas.openxmlformats.org/officeDocument/2006/math">
+                    <m:r>
+                      <a:rPr lang="en-US" i="1" dirty="0" smtClean="0">
+                        <a:latin typeface="Cambria Math" panose="02040503050406030204" pitchFamily="18" charset="0"/>
+                      </a:rPr>
+                      <m:t>𝐿</m:t>
+                    </m:r>
+                  </m:oMath>
+                </a14:m>
+                <a:r>
+                  <a:rPr lang="en-US" dirty="0"/>
+                  <a:t> and </a:t>
+                </a:r>
+                <a14:m>
+                  <m:oMath xmlns:m="http://schemas.openxmlformats.org/officeDocument/2006/math">
+                    <m:r>
+                      <a:rPr lang="en-US" i="1" dirty="0" smtClean="0">
+                        <a:latin typeface="Cambria Math" panose="02040503050406030204" pitchFamily="18" charset="0"/>
+                      </a:rPr>
+                      <m:t>𝐾</m:t>
+                    </m:r>
+                  </m:oMath>
+                </a14:m>
+                <a:r>
+                  <a:rPr lang="en-US" dirty="0"/>
+                  <a:t> are variable factors.</a:t>
+                </a:r>
+              </a:p>
+              <a:p>
+                <a:pPr lvl="3"/>
+                <a:endParaRPr lang="en-US" dirty="0"/>
+              </a:p>
+              <a:p>
+                <a:r>
+                  <a:rPr lang="en-US" dirty="0"/>
+                  <a:t>When both inputs are variable, the producer is faced with a choice: which combination of inputs should they use? </a:t>
+                </a:r>
+              </a:p>
+              <a:p>
+                <a:pPr lvl="3"/>
+                <a:endParaRPr lang="en-US" dirty="0"/>
+              </a:p>
+              <a:p>
+                <a:r>
+                  <a:rPr lang="en-US" dirty="0"/>
+                  <a:t>The answer will depend on a few elements:</a:t>
+                </a:r>
+              </a:p>
+              <a:p>
+                <a:pPr lvl="1"/>
+                <a:r>
+                  <a:rPr lang="en-US" dirty="0"/>
+                  <a:t>The Production Technology</a:t>
+                </a:r>
+              </a:p>
+              <a:p>
+                <a:pPr lvl="1"/>
+                <a:r>
+                  <a:rPr lang="en-US" dirty="0"/>
+                  <a:t>The Target Level of Output</a:t>
+                </a:r>
+              </a:p>
+              <a:p>
+                <a:pPr marL="1371600" lvl="3" indent="0">
+                  <a:buNone/>
+                </a:pPr>
+                <a:endParaRPr lang="en-US" dirty="0"/>
+              </a:p>
+              <a:p>
+                <a:r>
+                  <a:rPr lang="en-US" dirty="0"/>
+                  <a:t>Given some target level of output, which combinations of inputs will allow us to reach the target?</a:t>
+                </a:r>
+              </a:p>
+              <a:p>
+                <a:endParaRPr lang="en-US" dirty="0"/>
+              </a:p>
+            </p:txBody>
+          </p:sp>
+        </mc:Choice>
+        <mc:Fallback xmlns="">
+          <p:sp>
+            <p:nvSpPr>
+              <p:cNvPr id="3" name="Content Placeholder 2">
+                <a:extLst>
+                  <a:ext uri="{FF2B5EF4-FFF2-40B4-BE49-F238E27FC236}">
+                    <a16:creationId xmlns:a16="http://schemas.microsoft.com/office/drawing/2014/main" id="{5A717BAA-D4BA-C7EB-5696-203603829C7C}"/>
+                  </a:ext>
+                </a:extLst>
+              </p:cNvPr>
+              <p:cNvSpPr>
+                <a:spLocks noGrp="1" noRot="1" noChangeAspect="1" noMove="1" noResize="1" noEditPoints="1" noAdjustHandles="1" noChangeArrowheads="1" noChangeShapeType="1" noTextEdit="1"/>
+              </p:cNvSpPr>
+              <p:nvPr>
+                <p:ph idx="1"/>
+              </p:nvPr>
+            </p:nvSpPr>
+            <p:spPr>
+              <a:blipFill>
+                <a:blip r:embed="rId3"/>
+                <a:stretch>
+                  <a:fillRect l="-1005" t="-1821" r="-464"/>
+                </a:stretch>
+              </a:blipFill>
+            </p:spPr>
+            <p:txBody>
+              <a:bodyPr/>
+              <a:lstStyle/>
+              <a:p>
+                <a:r>
+                  <a:rPr lang="en-US">
+                    <a:noFill/>
+                  </a:rPr>
+                  <a:t> </a:t>
+                </a:r>
+              </a:p>
+            </p:txBody>
+          </p:sp>
+        </mc:Fallback>
+      </mc:AlternateContent>
       <p:sp>
         <p:nvSpPr>
           <p:cNvPr id="4" name="Date Placeholder 3">
@@ -16973,8 +17050,8 @@
           </a:p>
         </p:txBody>
       </p:sp>
-      <mc:AlternateContent xmlns:mc="http://schemas.openxmlformats.org/markup-compatibility/2006" xmlns:a14="http://schemas.microsoft.com/office/drawing/2010/main">
-        <mc:Choice Requires="a14">
+      <mc:AlternateContent xmlns:mc="http://schemas.openxmlformats.org/markup-compatibility/2006">
+        <mc:Choice xmlns:a14="http://schemas.microsoft.com/office/drawing/2010/main" Requires="a14">
           <p:sp>
             <p:nvSpPr>
               <p:cNvPr id="37" name="Content Placeholder 36">
@@ -17303,7 +17380,7 @@
                                       <a:latin typeface="Cambria Math" panose="02040503050406030204" pitchFamily="18" charset="0"/>
                                       <a:ea typeface="Cambria Math" panose="02040503050406030204" pitchFamily="18" charset="0"/>
                                     </a:rPr>
-                                    <m:t>𝐿</m:t>
+                                    <m:t>𝐾</m:t>
                                   </m:r>
                                 </m:den>
                               </m:f>
@@ -17334,7 +17411,7 @@
             </p:txBody>
           </p:sp>
         </mc:Choice>
-        <mc:Fallback xmlns="">
+        <mc:Fallback>
           <p:sp>
             <p:nvSpPr>
               <p:cNvPr id="37" name="Content Placeholder 36">
@@ -17547,15 +17624,33 @@
                                   </p:childTnLst>
                                 </p:cTn>
                               </p:par>
+                            </p:childTnLst>
+                          </p:cTn>
+                        </p:par>
+                      </p:childTnLst>
+                    </p:cTn>
+                  </p:par>
+                  <p:par>
+                    <p:cTn id="13" fill="hold">
+                      <p:stCondLst>
+                        <p:cond delay="indefinite"/>
+                      </p:stCondLst>
+                      <p:childTnLst>
+                        <p:par>
+                          <p:cTn id="14" fill="hold">
+                            <p:stCondLst>
+                              <p:cond delay="0"/>
+                            </p:stCondLst>
+                            <p:childTnLst>
                               <p:par>
-                                <p:cTn id="13" presetID="10" presetClass="entr" presetSubtype="0" fill="hold" nodeType="withEffect">
+                                <p:cTn id="15" presetID="10" presetClass="entr" presetSubtype="0" fill="hold" nodeType="clickEffect">
                                   <p:stCondLst>
                                     <p:cond delay="0"/>
                                   </p:stCondLst>
                                   <p:childTnLst>
                                     <p:set>
                                       <p:cBhvr>
-                                        <p:cTn id="14" dur="1" fill="hold">
+                                        <p:cTn id="16" dur="1" fill="hold">
                                           <p:stCondLst>
                                             <p:cond delay="0"/>
                                           </p:stCondLst>
@@ -17577,7 +17672,7 @@
                                     </p:set>
                                     <p:animEffect transition="in" filter="fade">
                                       <p:cBhvr>
-                                        <p:cTn id="15" dur="500"/>
+                                        <p:cTn id="17" dur="500"/>
                                         <p:tgtEl>
                                           <p:spTgt spid="37">
                                             <p:txEl>
@@ -17590,15 +17685,33 @@
                                   </p:childTnLst>
                                 </p:cTn>
                               </p:par>
+                            </p:childTnLst>
+                          </p:cTn>
+                        </p:par>
+                      </p:childTnLst>
+                    </p:cTn>
+                  </p:par>
+                  <p:par>
+                    <p:cTn id="18" fill="hold">
+                      <p:stCondLst>
+                        <p:cond delay="indefinite"/>
+                      </p:stCondLst>
+                      <p:childTnLst>
+                        <p:par>
+                          <p:cTn id="19" fill="hold">
+                            <p:stCondLst>
+                              <p:cond delay="0"/>
+                            </p:stCondLst>
+                            <p:childTnLst>
                               <p:par>
-                                <p:cTn id="16" presetID="10" presetClass="entr" presetSubtype="0" fill="hold" nodeType="withEffect">
+                                <p:cTn id="20" presetID="10" presetClass="entr" presetSubtype="0" fill="hold" nodeType="clickEffect">
                                   <p:stCondLst>
                                     <p:cond delay="0"/>
                                   </p:stCondLst>
                                   <p:childTnLst>
                                     <p:set>
                                       <p:cBhvr>
-                                        <p:cTn id="17" dur="1" fill="hold">
+                                        <p:cTn id="21" dur="1" fill="hold">
                                           <p:stCondLst>
                                             <p:cond delay="0"/>
                                           </p:stCondLst>
@@ -17620,7 +17733,7 @@
                                     </p:set>
                                     <p:animEffect transition="in" filter="fade">
                                       <p:cBhvr>
-                                        <p:cTn id="18" dur="500"/>
+                                        <p:cTn id="22" dur="500"/>
                                         <p:tgtEl>
                                           <p:spTgt spid="37">
                                             <p:txEl>
